--- a/포트폴리오_윤정훈.pptx
+++ b/포트폴리오_윤정훈.pptx
@@ -216,7 +216,7 @@
           <a:p>
             <a:fld id="{D9D8BED1-52F2-4E25-B13B-C6C5F29D903A}" type="datetimeFigureOut">
               <a:rPr lang="ko-KR" altLang="en-US" smtClean="0"/>
-              <a:t>2019-07-24</a:t>
+              <a:t>2019-07-25</a:t>
             </a:fld>
             <a:endParaRPr lang="ko-KR" altLang="en-US"/>
           </a:p>
@@ -644,7 +644,7 @@
           <a:p>
             <a:fld id="{0F7907F6-E94E-4333-9C66-194F43E28F27}" type="datetimeFigureOut">
               <a:rPr lang="ko-KR" altLang="en-US" smtClean="0"/>
-              <a:t>2019-07-24</a:t>
+              <a:t>2019-07-25</a:t>
             </a:fld>
             <a:endParaRPr lang="ko-KR" altLang="en-US"/>
           </a:p>
@@ -852,7 +852,7 @@
           <a:p>
             <a:fld id="{0F7907F6-E94E-4333-9C66-194F43E28F27}" type="datetimeFigureOut">
               <a:rPr lang="ko-KR" altLang="en-US" smtClean="0"/>
-              <a:t>2019-07-24</a:t>
+              <a:t>2019-07-25</a:t>
             </a:fld>
             <a:endParaRPr lang="ko-KR" altLang="en-US"/>
           </a:p>
@@ -1157,7 +1157,7 @@
           <a:p>
             <a:fld id="{0F7907F6-E94E-4333-9C66-194F43E28F27}" type="datetimeFigureOut">
               <a:rPr lang="ko-KR" altLang="en-US" smtClean="0"/>
-              <a:t>2019-07-24</a:t>
+              <a:t>2019-07-25</a:t>
             </a:fld>
             <a:endParaRPr lang="ko-KR" altLang="en-US"/>
           </a:p>
@@ -1424,7 +1424,7 @@
           <a:p>
             <a:fld id="{0F7907F6-E94E-4333-9C66-194F43E28F27}" type="datetimeFigureOut">
               <a:rPr lang="ko-KR" altLang="en-US" smtClean="0"/>
-              <a:t>2019-07-24</a:t>
+              <a:t>2019-07-25</a:t>
             </a:fld>
             <a:endParaRPr lang="ko-KR" altLang="en-US"/>
           </a:p>
@@ -1827,7 +1827,7 @@
           <a:p>
             <a:fld id="{0F7907F6-E94E-4333-9C66-194F43E28F27}" type="datetimeFigureOut">
               <a:rPr lang="ko-KR" altLang="en-US" smtClean="0"/>
-              <a:t>2019-07-24</a:t>
+              <a:t>2019-07-25</a:t>
             </a:fld>
             <a:endParaRPr lang="ko-KR" altLang="en-US"/>
           </a:p>
@@ -1976,7 +1976,7 @@
           <a:p>
             <a:fld id="{0F7907F6-E94E-4333-9C66-194F43E28F27}" type="datetimeFigureOut">
               <a:rPr lang="ko-KR" altLang="en-US" smtClean="0"/>
-              <a:t>2019-07-24</a:t>
+              <a:t>2019-07-25</a:t>
             </a:fld>
             <a:endParaRPr lang="ko-KR" altLang="en-US"/>
           </a:p>
@@ -2095,7 +2095,7 @@
           <a:p>
             <a:fld id="{0F7907F6-E94E-4333-9C66-194F43E28F27}" type="datetimeFigureOut">
               <a:rPr lang="ko-KR" altLang="en-US" smtClean="0"/>
-              <a:t>2019-07-24</a:t>
+              <a:t>2019-07-25</a:t>
             </a:fld>
             <a:endParaRPr lang="ko-KR" altLang="en-US"/>
           </a:p>
@@ -2403,7 +2403,7 @@
           <a:p>
             <a:fld id="{0F7907F6-E94E-4333-9C66-194F43E28F27}" type="datetimeFigureOut">
               <a:rPr lang="ko-KR" altLang="en-US" smtClean="0"/>
-              <a:t>2019-07-24</a:t>
+              <a:t>2019-07-25</a:t>
             </a:fld>
             <a:endParaRPr lang="ko-KR" altLang="en-US"/>
           </a:p>
@@ -2691,7 +2691,7 @@
           <a:p>
             <a:fld id="{0F7907F6-E94E-4333-9C66-194F43E28F27}" type="datetimeFigureOut">
               <a:rPr lang="ko-KR" altLang="en-US" smtClean="0"/>
-              <a:t>2019-07-24</a:t>
+              <a:t>2019-07-25</a:t>
             </a:fld>
             <a:endParaRPr lang="ko-KR" altLang="en-US"/>
           </a:p>
@@ -10285,8 +10285,8 @@
         </p:nvSpPr>
         <p:spPr>
           <a:xfrm>
-            <a:off x="824751" y="1700657"/>
-            <a:ext cx="4780168" cy="584775"/>
+            <a:off x="575368" y="1728366"/>
+            <a:ext cx="9898667" cy="584775"/>
           </a:xfrm>
           <a:prstGeom prst="rect">
             <a:avLst/>
@@ -10299,10 +10299,16 @@
           </a:bodyPr>
           <a:lstStyle/>
           <a:p>
-            <a:pPr marL="285750" indent="-285750">
-              <a:buFont typeface="Arial" panose="020B0604020202020204" pitchFamily="34" charset="0"/>
-              <a:buChar char="•"/>
-            </a:pPr>
+            <a:r>
+              <a:rPr lang="en-US" altLang="ko-KR" sz="1600" dirty="0" smtClean="0">
+                <a:solidFill>
+                  <a:schemeClr val="bg1"/>
+                </a:solidFill>
+                <a:latin typeface="나눔고딕" panose="020D0604000000000000" pitchFamily="50" charset="-127"/>
+                <a:ea typeface="나눔고딕" panose="020D0604000000000000" pitchFamily="50" charset="-127"/>
+              </a:rPr>
+              <a:t>1. </a:t>
+            </a:r>
             <a:r>
               <a:rPr lang="ko-KR" altLang="en-US" sz="1600" dirty="0" smtClean="0">
                 <a:solidFill>
@@ -10311,7 +10317,7 @@
                 <a:latin typeface="나눔고딕" panose="020D0604000000000000" pitchFamily="50" charset="-127"/>
                 <a:ea typeface="나눔고딕" panose="020D0604000000000000" pitchFamily="50" charset="-127"/>
               </a:rPr>
-              <a:t>이름 </a:t>
+              <a:t>게임 패턴을 다양하게 적용하였습니다</a:t>
             </a:r>
             <a:r>
               <a:rPr lang="en-US" altLang="ko-KR" sz="1600" dirty="0" smtClean="0">
@@ -10321,17 +10327,7 @@
                 <a:latin typeface="나눔고딕" panose="020D0604000000000000" pitchFamily="50" charset="-127"/>
                 <a:ea typeface="나눔고딕" panose="020D0604000000000000" pitchFamily="50" charset="-127"/>
               </a:rPr>
-              <a:t>: </a:t>
-            </a:r>
-            <a:r>
-              <a:rPr lang="en-US" altLang="ko-KR" sz="1600" dirty="0" err="1" smtClean="0">
-                <a:solidFill>
-                  <a:schemeClr val="bg1"/>
-                </a:solidFill>
-                <a:latin typeface="나눔고딕" panose="020D0604000000000000" pitchFamily="50" charset="-127"/>
-                <a:ea typeface="나눔고딕" panose="020D0604000000000000" pitchFamily="50" charset="-127"/>
-              </a:rPr>
-              <a:t>CounterFlow</a:t>
+              <a:t>.</a:t>
             </a:r>
             <a:endParaRPr lang="en-US" altLang="ko-KR" sz="1600" dirty="0" smtClean="0">
               <a:solidFill>
